--- a/ppt 16-9/0295.四种田地.pptx
+++ b/ppt 16-9/0295.四种田地.pptx
@@ -129,7 +129,7 @@
           <p:cNvPr id="2" name="标题 1">
             <a:extLst>
               <a:ext uri="{FF2B5EF4-FFF2-40B4-BE49-F238E27FC236}">
-                <a16:creationId xmlns:a16="http://schemas.microsoft.com/office/drawing/2014/main" id="{323F83A3-2780-9AA8-2947-6F3CA3E98B73}"/>
+                <a16:creationId xmlns:a16="http://schemas.microsoft.com/office/drawing/2014/main" id="{2D047994-9A6F-F372-1949-AFCD1B94E963}"/>
               </a:ext>
             </a:extLst>
           </p:cNvPr>
@@ -166,7 +166,7 @@
           <p:cNvPr id="3" name="副标题 2">
             <a:extLst>
               <a:ext uri="{FF2B5EF4-FFF2-40B4-BE49-F238E27FC236}">
-                <a16:creationId xmlns:a16="http://schemas.microsoft.com/office/drawing/2014/main" id="{B8F07A9C-0C13-B4A9-7265-A85A1BF5DC20}"/>
+                <a16:creationId xmlns:a16="http://schemas.microsoft.com/office/drawing/2014/main" id="{4F2A03BB-C3AF-DA4A-76F8-59EAA37F7ECC}"/>
               </a:ext>
             </a:extLst>
           </p:cNvPr>
@@ -236,7 +236,7 @@
           <p:cNvPr id="4" name="日期占位符 3">
             <a:extLst>
               <a:ext uri="{FF2B5EF4-FFF2-40B4-BE49-F238E27FC236}">
-                <a16:creationId xmlns:a16="http://schemas.microsoft.com/office/drawing/2014/main" id="{F92BA5C6-73D9-CBF5-D2C5-765AADE617A7}"/>
+                <a16:creationId xmlns:a16="http://schemas.microsoft.com/office/drawing/2014/main" id="{6C979725-EB8E-2463-E218-B5BE0A41E41C}"/>
               </a:ext>
             </a:extLst>
           </p:cNvPr>
@@ -252,7 +252,7 @@
           <a:bodyPr/>
           <a:lstStyle/>
           <a:p>
-            <a:fld id="{92A0C79D-086C-4140-BF70-D4B9454BC656}" type="datetimeFigureOut">
+            <a:fld id="{FF6A8001-B6AF-43FE-A5FD-039A94D7833C}" type="datetimeFigureOut">
               <a:rPr lang="zh-CN" altLang="en-US" smtClean="0"/>
               <a:t>2024/3/10</a:t>
             </a:fld>
@@ -265,7 +265,7 @@
           <p:cNvPr id="5" name="页脚占位符 4">
             <a:extLst>
               <a:ext uri="{FF2B5EF4-FFF2-40B4-BE49-F238E27FC236}">
-                <a16:creationId xmlns:a16="http://schemas.microsoft.com/office/drawing/2014/main" id="{9220DB42-7BEE-AF36-F193-14B44FF63239}"/>
+                <a16:creationId xmlns:a16="http://schemas.microsoft.com/office/drawing/2014/main" id="{DC28DF43-0858-1D00-7138-66AE5F67C83E}"/>
               </a:ext>
             </a:extLst>
           </p:cNvPr>
@@ -290,7 +290,7 @@
           <p:cNvPr id="6" name="灯片编号占位符 5">
             <a:extLst>
               <a:ext uri="{FF2B5EF4-FFF2-40B4-BE49-F238E27FC236}">
-                <a16:creationId xmlns:a16="http://schemas.microsoft.com/office/drawing/2014/main" id="{6079A55C-CF45-DA2A-8C46-176E7654FFA6}"/>
+                <a16:creationId xmlns:a16="http://schemas.microsoft.com/office/drawing/2014/main" id="{CC42D0EC-189C-3AAE-B974-32B014ACFDDB}"/>
               </a:ext>
             </a:extLst>
           </p:cNvPr>
@@ -306,7 +306,7 @@
           <a:bodyPr/>
           <a:lstStyle/>
           <a:p>
-            <a:fld id="{4BC49D82-2496-4285-A047-3AC3028647F1}" type="slidenum">
+            <a:fld id="{32363FDD-65FE-4B24-BFFE-3FFE2DCDDA2F}" type="slidenum">
               <a:rPr lang="zh-CN" altLang="en-US" smtClean="0"/>
               <a:t>‹#›</a:t>
             </a:fld>
@@ -317,7 +317,7 @@
     </p:spTree>
     <p:extLst>
       <p:ext uri="{BB962C8B-B14F-4D97-AF65-F5344CB8AC3E}">
-        <p14:creationId xmlns:p14="http://schemas.microsoft.com/office/powerpoint/2010/main" val="4205658770"/>
+        <p14:creationId xmlns:p14="http://schemas.microsoft.com/office/powerpoint/2010/main" val="1318378671"/>
       </p:ext>
     </p:extLst>
   </p:cSld>
@@ -349,7 +349,7 @@
           <p:cNvPr id="2" name="标题 1">
             <a:extLst>
               <a:ext uri="{FF2B5EF4-FFF2-40B4-BE49-F238E27FC236}">
-                <a16:creationId xmlns:a16="http://schemas.microsoft.com/office/drawing/2014/main" id="{19CBED9D-1350-1F73-5A01-D87254B6CB90}"/>
+                <a16:creationId xmlns:a16="http://schemas.microsoft.com/office/drawing/2014/main" id="{76FA48B3-87CF-194F-9C5A-72B8F4321AC0}"/>
               </a:ext>
             </a:extLst>
           </p:cNvPr>
@@ -377,7 +377,7 @@
           <p:cNvPr id="3" name="竖排文字占位符 2">
             <a:extLst>
               <a:ext uri="{FF2B5EF4-FFF2-40B4-BE49-F238E27FC236}">
-                <a16:creationId xmlns:a16="http://schemas.microsoft.com/office/drawing/2014/main" id="{96CD2E58-B459-55BC-5ADF-10161F8A235B}"/>
+                <a16:creationId xmlns:a16="http://schemas.microsoft.com/office/drawing/2014/main" id="{B052D1C9-F2F5-D4D8-6757-619FCB43128B}"/>
               </a:ext>
             </a:extLst>
           </p:cNvPr>
@@ -434,7 +434,7 @@
           <p:cNvPr id="4" name="日期占位符 3">
             <a:extLst>
               <a:ext uri="{FF2B5EF4-FFF2-40B4-BE49-F238E27FC236}">
-                <a16:creationId xmlns:a16="http://schemas.microsoft.com/office/drawing/2014/main" id="{2CD707D8-F545-CB02-629E-4E6A65E36E2C}"/>
+                <a16:creationId xmlns:a16="http://schemas.microsoft.com/office/drawing/2014/main" id="{ADAAF637-0760-F968-DB24-F9B893CB3AE5}"/>
               </a:ext>
             </a:extLst>
           </p:cNvPr>
@@ -450,7 +450,7 @@
           <a:bodyPr/>
           <a:lstStyle/>
           <a:p>
-            <a:fld id="{92A0C79D-086C-4140-BF70-D4B9454BC656}" type="datetimeFigureOut">
+            <a:fld id="{FF6A8001-B6AF-43FE-A5FD-039A94D7833C}" type="datetimeFigureOut">
               <a:rPr lang="zh-CN" altLang="en-US" smtClean="0"/>
               <a:t>2024/3/10</a:t>
             </a:fld>
@@ -463,7 +463,7 @@
           <p:cNvPr id="5" name="页脚占位符 4">
             <a:extLst>
               <a:ext uri="{FF2B5EF4-FFF2-40B4-BE49-F238E27FC236}">
-                <a16:creationId xmlns:a16="http://schemas.microsoft.com/office/drawing/2014/main" id="{4686E666-CF20-3C54-3489-FAC5B40C6010}"/>
+                <a16:creationId xmlns:a16="http://schemas.microsoft.com/office/drawing/2014/main" id="{FAB3F1A8-F068-6CF3-73E4-F84302152379}"/>
               </a:ext>
             </a:extLst>
           </p:cNvPr>
@@ -488,7 +488,7 @@
           <p:cNvPr id="6" name="灯片编号占位符 5">
             <a:extLst>
               <a:ext uri="{FF2B5EF4-FFF2-40B4-BE49-F238E27FC236}">
-                <a16:creationId xmlns:a16="http://schemas.microsoft.com/office/drawing/2014/main" id="{E897554E-7506-4EE5-0D54-AF9C17AF13E5}"/>
+                <a16:creationId xmlns:a16="http://schemas.microsoft.com/office/drawing/2014/main" id="{A33D0B6A-A10C-2949-CA2F-9F7CAF8D03B0}"/>
               </a:ext>
             </a:extLst>
           </p:cNvPr>
@@ -504,7 +504,7 @@
           <a:bodyPr/>
           <a:lstStyle/>
           <a:p>
-            <a:fld id="{4BC49D82-2496-4285-A047-3AC3028647F1}" type="slidenum">
+            <a:fld id="{32363FDD-65FE-4B24-BFFE-3FFE2DCDDA2F}" type="slidenum">
               <a:rPr lang="zh-CN" altLang="en-US" smtClean="0"/>
               <a:t>‹#›</a:t>
             </a:fld>
@@ -515,7 +515,7 @@
     </p:spTree>
     <p:extLst>
       <p:ext uri="{BB962C8B-B14F-4D97-AF65-F5344CB8AC3E}">
-        <p14:creationId xmlns:p14="http://schemas.microsoft.com/office/powerpoint/2010/main" val="2025421871"/>
+        <p14:creationId xmlns:p14="http://schemas.microsoft.com/office/powerpoint/2010/main" val="1501665334"/>
       </p:ext>
     </p:extLst>
   </p:cSld>
@@ -547,7 +547,7 @@
           <p:cNvPr id="2" name="竖排标题 1">
             <a:extLst>
               <a:ext uri="{FF2B5EF4-FFF2-40B4-BE49-F238E27FC236}">
-                <a16:creationId xmlns:a16="http://schemas.microsoft.com/office/drawing/2014/main" id="{659155B6-AD8A-C85C-C329-988687E55F74}"/>
+                <a16:creationId xmlns:a16="http://schemas.microsoft.com/office/drawing/2014/main" id="{03DBE53B-9CEB-D145-AA15-2DB72B9BD3AB}"/>
               </a:ext>
             </a:extLst>
           </p:cNvPr>
@@ -580,7 +580,7 @@
           <p:cNvPr id="3" name="竖排文字占位符 2">
             <a:extLst>
               <a:ext uri="{FF2B5EF4-FFF2-40B4-BE49-F238E27FC236}">
-                <a16:creationId xmlns:a16="http://schemas.microsoft.com/office/drawing/2014/main" id="{2D9AC198-DAA4-E1AD-FA4C-131B4B5CC3B3}"/>
+                <a16:creationId xmlns:a16="http://schemas.microsoft.com/office/drawing/2014/main" id="{7522F621-0479-924C-1ADE-D457725890CF}"/>
               </a:ext>
             </a:extLst>
           </p:cNvPr>
@@ -642,7 +642,7 @@
           <p:cNvPr id="4" name="日期占位符 3">
             <a:extLst>
               <a:ext uri="{FF2B5EF4-FFF2-40B4-BE49-F238E27FC236}">
-                <a16:creationId xmlns:a16="http://schemas.microsoft.com/office/drawing/2014/main" id="{A95DEC13-9F9B-4B8B-7A8F-F9B0E8DD8AA5}"/>
+                <a16:creationId xmlns:a16="http://schemas.microsoft.com/office/drawing/2014/main" id="{A28A8E60-640B-4D4D-28CF-E815F50A7CE6}"/>
               </a:ext>
             </a:extLst>
           </p:cNvPr>
@@ -658,7 +658,7 @@
           <a:bodyPr/>
           <a:lstStyle/>
           <a:p>
-            <a:fld id="{92A0C79D-086C-4140-BF70-D4B9454BC656}" type="datetimeFigureOut">
+            <a:fld id="{FF6A8001-B6AF-43FE-A5FD-039A94D7833C}" type="datetimeFigureOut">
               <a:rPr lang="zh-CN" altLang="en-US" smtClean="0"/>
               <a:t>2024/3/10</a:t>
             </a:fld>
@@ -671,7 +671,7 @@
           <p:cNvPr id="5" name="页脚占位符 4">
             <a:extLst>
               <a:ext uri="{FF2B5EF4-FFF2-40B4-BE49-F238E27FC236}">
-                <a16:creationId xmlns:a16="http://schemas.microsoft.com/office/drawing/2014/main" id="{8E87F364-0A75-328B-D2D1-57B5D07AF646}"/>
+                <a16:creationId xmlns:a16="http://schemas.microsoft.com/office/drawing/2014/main" id="{71F80509-57EC-9CDD-C5A4-8FC317C918A6}"/>
               </a:ext>
             </a:extLst>
           </p:cNvPr>
@@ -696,7 +696,7 @@
           <p:cNvPr id="6" name="灯片编号占位符 5">
             <a:extLst>
               <a:ext uri="{FF2B5EF4-FFF2-40B4-BE49-F238E27FC236}">
-                <a16:creationId xmlns:a16="http://schemas.microsoft.com/office/drawing/2014/main" id="{309F5BAD-3B08-122C-D837-41AA096F8F60}"/>
+                <a16:creationId xmlns:a16="http://schemas.microsoft.com/office/drawing/2014/main" id="{10D43B42-9769-16C4-D453-AC704155F9B6}"/>
               </a:ext>
             </a:extLst>
           </p:cNvPr>
@@ -712,7 +712,7 @@
           <a:bodyPr/>
           <a:lstStyle/>
           <a:p>
-            <a:fld id="{4BC49D82-2496-4285-A047-3AC3028647F1}" type="slidenum">
+            <a:fld id="{32363FDD-65FE-4B24-BFFE-3FFE2DCDDA2F}" type="slidenum">
               <a:rPr lang="zh-CN" altLang="en-US" smtClean="0"/>
               <a:t>‹#›</a:t>
             </a:fld>
@@ -723,7 +723,7 @@
     </p:spTree>
     <p:extLst>
       <p:ext uri="{BB962C8B-B14F-4D97-AF65-F5344CB8AC3E}">
-        <p14:creationId xmlns:p14="http://schemas.microsoft.com/office/powerpoint/2010/main" val="1770071603"/>
+        <p14:creationId xmlns:p14="http://schemas.microsoft.com/office/powerpoint/2010/main" val="2121460394"/>
       </p:ext>
     </p:extLst>
   </p:cSld>
@@ -755,7 +755,7 @@
           <p:cNvPr id="2" name="标题 1">
             <a:extLst>
               <a:ext uri="{FF2B5EF4-FFF2-40B4-BE49-F238E27FC236}">
-                <a16:creationId xmlns:a16="http://schemas.microsoft.com/office/drawing/2014/main" id="{3CB27BCF-9041-995B-B95E-420082C6D20D}"/>
+                <a16:creationId xmlns:a16="http://schemas.microsoft.com/office/drawing/2014/main" id="{75C6353D-2197-069E-62A8-CA941A58B98B}"/>
               </a:ext>
             </a:extLst>
           </p:cNvPr>
@@ -783,7 +783,7 @@
           <p:cNvPr id="3" name="内容占位符 2">
             <a:extLst>
               <a:ext uri="{FF2B5EF4-FFF2-40B4-BE49-F238E27FC236}">
-                <a16:creationId xmlns:a16="http://schemas.microsoft.com/office/drawing/2014/main" id="{95C70B57-24FD-BBD2-E0FB-A6229E18B688}"/>
+                <a16:creationId xmlns:a16="http://schemas.microsoft.com/office/drawing/2014/main" id="{02EB43D7-210C-54B0-A7B2-58A939C8E1D9}"/>
               </a:ext>
             </a:extLst>
           </p:cNvPr>
@@ -840,7 +840,7 @@
           <p:cNvPr id="4" name="日期占位符 3">
             <a:extLst>
               <a:ext uri="{FF2B5EF4-FFF2-40B4-BE49-F238E27FC236}">
-                <a16:creationId xmlns:a16="http://schemas.microsoft.com/office/drawing/2014/main" id="{8F1AD121-B7E0-825C-A4E1-E62F0B5840C1}"/>
+                <a16:creationId xmlns:a16="http://schemas.microsoft.com/office/drawing/2014/main" id="{53251E1B-1926-1DD9-DA13-012CC937616F}"/>
               </a:ext>
             </a:extLst>
           </p:cNvPr>
@@ -856,7 +856,7 @@
           <a:bodyPr/>
           <a:lstStyle/>
           <a:p>
-            <a:fld id="{92A0C79D-086C-4140-BF70-D4B9454BC656}" type="datetimeFigureOut">
+            <a:fld id="{FF6A8001-B6AF-43FE-A5FD-039A94D7833C}" type="datetimeFigureOut">
               <a:rPr lang="zh-CN" altLang="en-US" smtClean="0"/>
               <a:t>2024/3/10</a:t>
             </a:fld>
@@ -869,7 +869,7 @@
           <p:cNvPr id="5" name="页脚占位符 4">
             <a:extLst>
               <a:ext uri="{FF2B5EF4-FFF2-40B4-BE49-F238E27FC236}">
-                <a16:creationId xmlns:a16="http://schemas.microsoft.com/office/drawing/2014/main" id="{F1F43F2F-28D4-43BB-A9C0-1BE1E0995AC2}"/>
+                <a16:creationId xmlns:a16="http://schemas.microsoft.com/office/drawing/2014/main" id="{94ABA368-DFAF-DC3E-5C15-A9BFC2685100}"/>
               </a:ext>
             </a:extLst>
           </p:cNvPr>
@@ -894,7 +894,7 @@
           <p:cNvPr id="6" name="灯片编号占位符 5">
             <a:extLst>
               <a:ext uri="{FF2B5EF4-FFF2-40B4-BE49-F238E27FC236}">
-                <a16:creationId xmlns:a16="http://schemas.microsoft.com/office/drawing/2014/main" id="{50A193C1-EC61-20ED-93EB-C3543CCA9A69}"/>
+                <a16:creationId xmlns:a16="http://schemas.microsoft.com/office/drawing/2014/main" id="{BD19F603-A408-EDF9-5F19-1E474B79DEFF}"/>
               </a:ext>
             </a:extLst>
           </p:cNvPr>
@@ -910,7 +910,7 @@
           <a:bodyPr/>
           <a:lstStyle/>
           <a:p>
-            <a:fld id="{4BC49D82-2496-4285-A047-3AC3028647F1}" type="slidenum">
+            <a:fld id="{32363FDD-65FE-4B24-BFFE-3FFE2DCDDA2F}" type="slidenum">
               <a:rPr lang="zh-CN" altLang="en-US" smtClean="0"/>
               <a:t>‹#›</a:t>
             </a:fld>
@@ -921,7 +921,7 @@
     </p:spTree>
     <p:extLst>
       <p:ext uri="{BB962C8B-B14F-4D97-AF65-F5344CB8AC3E}">
-        <p14:creationId xmlns:p14="http://schemas.microsoft.com/office/powerpoint/2010/main" val="2515962204"/>
+        <p14:creationId xmlns:p14="http://schemas.microsoft.com/office/powerpoint/2010/main" val="2610838856"/>
       </p:ext>
     </p:extLst>
   </p:cSld>
@@ -953,7 +953,7 @@
           <p:cNvPr id="2" name="标题 1">
             <a:extLst>
               <a:ext uri="{FF2B5EF4-FFF2-40B4-BE49-F238E27FC236}">
-                <a16:creationId xmlns:a16="http://schemas.microsoft.com/office/drawing/2014/main" id="{A01979FC-A9AF-600A-9D0B-AAD511AA3EEA}"/>
+                <a16:creationId xmlns:a16="http://schemas.microsoft.com/office/drawing/2014/main" id="{FCA761EC-7941-9970-A642-049CE052B3DC}"/>
               </a:ext>
             </a:extLst>
           </p:cNvPr>
@@ -990,7 +990,7 @@
           <p:cNvPr id="3" name="文本占位符 2">
             <a:extLst>
               <a:ext uri="{FF2B5EF4-FFF2-40B4-BE49-F238E27FC236}">
-                <a16:creationId xmlns:a16="http://schemas.microsoft.com/office/drawing/2014/main" id="{9C7AC6CB-51FD-DE30-7667-99EB75BEE785}"/>
+                <a16:creationId xmlns:a16="http://schemas.microsoft.com/office/drawing/2014/main" id="{A7227E9F-63C3-302F-95E4-4E1533AEF947}"/>
               </a:ext>
             </a:extLst>
           </p:cNvPr>
@@ -1115,7 +1115,7 @@
           <p:cNvPr id="4" name="日期占位符 3">
             <a:extLst>
               <a:ext uri="{FF2B5EF4-FFF2-40B4-BE49-F238E27FC236}">
-                <a16:creationId xmlns:a16="http://schemas.microsoft.com/office/drawing/2014/main" id="{171CB37C-0554-3DF8-4662-E73EB589B475}"/>
+                <a16:creationId xmlns:a16="http://schemas.microsoft.com/office/drawing/2014/main" id="{95CE9F47-DA96-1B1C-8E6A-82C30082EC01}"/>
               </a:ext>
             </a:extLst>
           </p:cNvPr>
@@ -1131,7 +1131,7 @@
           <a:bodyPr/>
           <a:lstStyle/>
           <a:p>
-            <a:fld id="{92A0C79D-086C-4140-BF70-D4B9454BC656}" type="datetimeFigureOut">
+            <a:fld id="{FF6A8001-B6AF-43FE-A5FD-039A94D7833C}" type="datetimeFigureOut">
               <a:rPr lang="zh-CN" altLang="en-US" smtClean="0"/>
               <a:t>2024/3/10</a:t>
             </a:fld>
@@ -1144,7 +1144,7 @@
           <p:cNvPr id="5" name="页脚占位符 4">
             <a:extLst>
               <a:ext uri="{FF2B5EF4-FFF2-40B4-BE49-F238E27FC236}">
-                <a16:creationId xmlns:a16="http://schemas.microsoft.com/office/drawing/2014/main" id="{27B2F33E-3F47-40B5-80E5-E849A8711AC7}"/>
+                <a16:creationId xmlns:a16="http://schemas.microsoft.com/office/drawing/2014/main" id="{AAC1D42F-6291-FAE2-9139-14472C60FF6D}"/>
               </a:ext>
             </a:extLst>
           </p:cNvPr>
@@ -1169,7 +1169,7 @@
           <p:cNvPr id="6" name="灯片编号占位符 5">
             <a:extLst>
               <a:ext uri="{FF2B5EF4-FFF2-40B4-BE49-F238E27FC236}">
-                <a16:creationId xmlns:a16="http://schemas.microsoft.com/office/drawing/2014/main" id="{E1A1E089-15B5-646A-6358-4F36A4A46523}"/>
+                <a16:creationId xmlns:a16="http://schemas.microsoft.com/office/drawing/2014/main" id="{15235AF2-F236-4EEF-E28E-5DEB1D163E82}"/>
               </a:ext>
             </a:extLst>
           </p:cNvPr>
@@ -1185,7 +1185,7 @@
           <a:bodyPr/>
           <a:lstStyle/>
           <a:p>
-            <a:fld id="{4BC49D82-2496-4285-A047-3AC3028647F1}" type="slidenum">
+            <a:fld id="{32363FDD-65FE-4B24-BFFE-3FFE2DCDDA2F}" type="slidenum">
               <a:rPr lang="zh-CN" altLang="en-US" smtClean="0"/>
               <a:t>‹#›</a:t>
             </a:fld>
@@ -1196,7 +1196,7 @@
     </p:spTree>
     <p:extLst>
       <p:ext uri="{BB962C8B-B14F-4D97-AF65-F5344CB8AC3E}">
-        <p14:creationId xmlns:p14="http://schemas.microsoft.com/office/powerpoint/2010/main" val="2648252664"/>
+        <p14:creationId xmlns:p14="http://schemas.microsoft.com/office/powerpoint/2010/main" val="983317107"/>
       </p:ext>
     </p:extLst>
   </p:cSld>
@@ -1228,7 +1228,7 @@
           <p:cNvPr id="2" name="标题 1">
             <a:extLst>
               <a:ext uri="{FF2B5EF4-FFF2-40B4-BE49-F238E27FC236}">
-                <a16:creationId xmlns:a16="http://schemas.microsoft.com/office/drawing/2014/main" id="{F2F5CD74-E0CA-916E-7B15-1736C4FFB3EE}"/>
+                <a16:creationId xmlns:a16="http://schemas.microsoft.com/office/drawing/2014/main" id="{B0CD85C9-5E3B-7BC7-AD1C-4FCCB95F1FD2}"/>
               </a:ext>
             </a:extLst>
           </p:cNvPr>
@@ -1256,7 +1256,7 @@
           <p:cNvPr id="3" name="内容占位符 2">
             <a:extLst>
               <a:ext uri="{FF2B5EF4-FFF2-40B4-BE49-F238E27FC236}">
-                <a16:creationId xmlns:a16="http://schemas.microsoft.com/office/drawing/2014/main" id="{1408B44B-C783-19EC-DD62-FAFDAE3C7B13}"/>
+                <a16:creationId xmlns:a16="http://schemas.microsoft.com/office/drawing/2014/main" id="{7E37BC26-A0E9-FCAD-DCF5-902D14CACBE2}"/>
               </a:ext>
             </a:extLst>
           </p:cNvPr>
@@ -1318,7 +1318,7 @@
           <p:cNvPr id="4" name="内容占位符 3">
             <a:extLst>
               <a:ext uri="{FF2B5EF4-FFF2-40B4-BE49-F238E27FC236}">
-                <a16:creationId xmlns:a16="http://schemas.microsoft.com/office/drawing/2014/main" id="{18644DAA-1D07-83E5-F351-34FA05D74448}"/>
+                <a16:creationId xmlns:a16="http://schemas.microsoft.com/office/drawing/2014/main" id="{4DABB2E6-2537-CB9F-7CF5-5F23886D5E49}"/>
               </a:ext>
             </a:extLst>
           </p:cNvPr>
@@ -1380,7 +1380,7 @@
           <p:cNvPr id="5" name="日期占位符 4">
             <a:extLst>
               <a:ext uri="{FF2B5EF4-FFF2-40B4-BE49-F238E27FC236}">
-                <a16:creationId xmlns:a16="http://schemas.microsoft.com/office/drawing/2014/main" id="{E4574DB7-0DD6-A79F-7304-5042B98FC40E}"/>
+                <a16:creationId xmlns:a16="http://schemas.microsoft.com/office/drawing/2014/main" id="{8ADE2B24-C4EA-ECC7-E281-D508117A1C4F}"/>
               </a:ext>
             </a:extLst>
           </p:cNvPr>
@@ -1396,7 +1396,7 @@
           <a:bodyPr/>
           <a:lstStyle/>
           <a:p>
-            <a:fld id="{92A0C79D-086C-4140-BF70-D4B9454BC656}" type="datetimeFigureOut">
+            <a:fld id="{FF6A8001-B6AF-43FE-A5FD-039A94D7833C}" type="datetimeFigureOut">
               <a:rPr lang="zh-CN" altLang="en-US" smtClean="0"/>
               <a:t>2024/3/10</a:t>
             </a:fld>
@@ -1409,7 +1409,7 @@
           <p:cNvPr id="6" name="页脚占位符 5">
             <a:extLst>
               <a:ext uri="{FF2B5EF4-FFF2-40B4-BE49-F238E27FC236}">
-                <a16:creationId xmlns:a16="http://schemas.microsoft.com/office/drawing/2014/main" id="{65E2D97A-93F4-E2F6-FD7E-49DBA9EA336B}"/>
+                <a16:creationId xmlns:a16="http://schemas.microsoft.com/office/drawing/2014/main" id="{429D3BA1-66A5-3033-5177-2E0A3B3AC779}"/>
               </a:ext>
             </a:extLst>
           </p:cNvPr>
@@ -1434,7 +1434,7 @@
           <p:cNvPr id="7" name="灯片编号占位符 6">
             <a:extLst>
               <a:ext uri="{FF2B5EF4-FFF2-40B4-BE49-F238E27FC236}">
-                <a16:creationId xmlns:a16="http://schemas.microsoft.com/office/drawing/2014/main" id="{FB4E9B24-FFE6-89CE-2368-D6F59678015A}"/>
+                <a16:creationId xmlns:a16="http://schemas.microsoft.com/office/drawing/2014/main" id="{FDC1C8B3-AE6F-AA95-3B4C-7F50AD41A60B}"/>
               </a:ext>
             </a:extLst>
           </p:cNvPr>
@@ -1450,7 +1450,7 @@
           <a:bodyPr/>
           <a:lstStyle/>
           <a:p>
-            <a:fld id="{4BC49D82-2496-4285-A047-3AC3028647F1}" type="slidenum">
+            <a:fld id="{32363FDD-65FE-4B24-BFFE-3FFE2DCDDA2F}" type="slidenum">
               <a:rPr lang="zh-CN" altLang="en-US" smtClean="0"/>
               <a:t>‹#›</a:t>
             </a:fld>
@@ -1461,7 +1461,7 @@
     </p:spTree>
     <p:extLst>
       <p:ext uri="{BB962C8B-B14F-4D97-AF65-F5344CB8AC3E}">
-        <p14:creationId xmlns:p14="http://schemas.microsoft.com/office/powerpoint/2010/main" val="1630202387"/>
+        <p14:creationId xmlns:p14="http://schemas.microsoft.com/office/powerpoint/2010/main" val="1203204307"/>
       </p:ext>
     </p:extLst>
   </p:cSld>
@@ -1493,7 +1493,7 @@
           <p:cNvPr id="2" name="标题 1">
             <a:extLst>
               <a:ext uri="{FF2B5EF4-FFF2-40B4-BE49-F238E27FC236}">
-                <a16:creationId xmlns:a16="http://schemas.microsoft.com/office/drawing/2014/main" id="{D3B4FADB-85DD-62FF-6D38-9BA23A433C58}"/>
+                <a16:creationId xmlns:a16="http://schemas.microsoft.com/office/drawing/2014/main" id="{F136B0D9-B00A-2C0A-B91A-8AA84564D7FE}"/>
               </a:ext>
             </a:extLst>
           </p:cNvPr>
@@ -1526,7 +1526,7 @@
           <p:cNvPr id="3" name="文本占位符 2">
             <a:extLst>
               <a:ext uri="{FF2B5EF4-FFF2-40B4-BE49-F238E27FC236}">
-                <a16:creationId xmlns:a16="http://schemas.microsoft.com/office/drawing/2014/main" id="{0A16ED5B-CC2B-4FCC-3413-2F79703BFDCC}"/>
+                <a16:creationId xmlns:a16="http://schemas.microsoft.com/office/drawing/2014/main" id="{658F2C49-2B3B-AAC8-CB57-C274A41C36D5}"/>
               </a:ext>
             </a:extLst>
           </p:cNvPr>
@@ -1597,7 +1597,7 @@
           <p:cNvPr id="4" name="内容占位符 3">
             <a:extLst>
               <a:ext uri="{FF2B5EF4-FFF2-40B4-BE49-F238E27FC236}">
-                <a16:creationId xmlns:a16="http://schemas.microsoft.com/office/drawing/2014/main" id="{325C856C-E28B-E749-C850-0EAEBCA46075}"/>
+                <a16:creationId xmlns:a16="http://schemas.microsoft.com/office/drawing/2014/main" id="{AA98858D-B914-973D-36EC-F1412E08054C}"/>
               </a:ext>
             </a:extLst>
           </p:cNvPr>
@@ -1659,7 +1659,7 @@
           <p:cNvPr id="5" name="文本占位符 4">
             <a:extLst>
               <a:ext uri="{FF2B5EF4-FFF2-40B4-BE49-F238E27FC236}">
-                <a16:creationId xmlns:a16="http://schemas.microsoft.com/office/drawing/2014/main" id="{43B25EA6-4641-AB50-9B56-9FB1C1D008BF}"/>
+                <a16:creationId xmlns:a16="http://schemas.microsoft.com/office/drawing/2014/main" id="{50016D84-CAE8-0B72-7E88-632368BFCC02}"/>
               </a:ext>
             </a:extLst>
           </p:cNvPr>
@@ -1730,7 +1730,7 @@
           <p:cNvPr id="6" name="内容占位符 5">
             <a:extLst>
               <a:ext uri="{FF2B5EF4-FFF2-40B4-BE49-F238E27FC236}">
-                <a16:creationId xmlns:a16="http://schemas.microsoft.com/office/drawing/2014/main" id="{81CF63C2-E2E0-AD94-3AF7-E8489D640348}"/>
+                <a16:creationId xmlns:a16="http://schemas.microsoft.com/office/drawing/2014/main" id="{FEDB782A-0030-305A-C914-A3E45121E950}"/>
               </a:ext>
             </a:extLst>
           </p:cNvPr>
@@ -1792,7 +1792,7 @@
           <p:cNvPr id="7" name="日期占位符 6">
             <a:extLst>
               <a:ext uri="{FF2B5EF4-FFF2-40B4-BE49-F238E27FC236}">
-                <a16:creationId xmlns:a16="http://schemas.microsoft.com/office/drawing/2014/main" id="{C7E70423-1403-13A6-2C06-5F9ED60B5B1A}"/>
+                <a16:creationId xmlns:a16="http://schemas.microsoft.com/office/drawing/2014/main" id="{ACD15B16-5069-794E-1BE4-7388F1AE893B}"/>
               </a:ext>
             </a:extLst>
           </p:cNvPr>
@@ -1808,7 +1808,7 @@
           <a:bodyPr/>
           <a:lstStyle/>
           <a:p>
-            <a:fld id="{92A0C79D-086C-4140-BF70-D4B9454BC656}" type="datetimeFigureOut">
+            <a:fld id="{FF6A8001-B6AF-43FE-A5FD-039A94D7833C}" type="datetimeFigureOut">
               <a:rPr lang="zh-CN" altLang="en-US" smtClean="0"/>
               <a:t>2024/3/10</a:t>
             </a:fld>
@@ -1821,7 +1821,7 @@
           <p:cNvPr id="8" name="页脚占位符 7">
             <a:extLst>
               <a:ext uri="{FF2B5EF4-FFF2-40B4-BE49-F238E27FC236}">
-                <a16:creationId xmlns:a16="http://schemas.microsoft.com/office/drawing/2014/main" id="{BCEEE8CF-3E6F-982E-0F64-FB8A15D939E7}"/>
+                <a16:creationId xmlns:a16="http://schemas.microsoft.com/office/drawing/2014/main" id="{BA659EE6-7F3A-F809-34DF-75CEDDD1EB0C}"/>
               </a:ext>
             </a:extLst>
           </p:cNvPr>
@@ -1846,7 +1846,7 @@
           <p:cNvPr id="9" name="灯片编号占位符 8">
             <a:extLst>
               <a:ext uri="{FF2B5EF4-FFF2-40B4-BE49-F238E27FC236}">
-                <a16:creationId xmlns:a16="http://schemas.microsoft.com/office/drawing/2014/main" id="{713E6E82-01AF-DBF5-D8B1-0520DFCD44CD}"/>
+                <a16:creationId xmlns:a16="http://schemas.microsoft.com/office/drawing/2014/main" id="{30BF07A1-B12F-770B-06FF-6966FFB3DC32}"/>
               </a:ext>
             </a:extLst>
           </p:cNvPr>
@@ -1862,7 +1862,7 @@
           <a:bodyPr/>
           <a:lstStyle/>
           <a:p>
-            <a:fld id="{4BC49D82-2496-4285-A047-3AC3028647F1}" type="slidenum">
+            <a:fld id="{32363FDD-65FE-4B24-BFFE-3FFE2DCDDA2F}" type="slidenum">
               <a:rPr lang="zh-CN" altLang="en-US" smtClean="0"/>
               <a:t>‹#›</a:t>
             </a:fld>
@@ -1873,7 +1873,7 @@
     </p:spTree>
     <p:extLst>
       <p:ext uri="{BB962C8B-B14F-4D97-AF65-F5344CB8AC3E}">
-        <p14:creationId xmlns:p14="http://schemas.microsoft.com/office/powerpoint/2010/main" val="3351195356"/>
+        <p14:creationId xmlns:p14="http://schemas.microsoft.com/office/powerpoint/2010/main" val="1148320325"/>
       </p:ext>
     </p:extLst>
   </p:cSld>
@@ -1905,7 +1905,7 @@
           <p:cNvPr id="2" name="标题 1">
             <a:extLst>
               <a:ext uri="{FF2B5EF4-FFF2-40B4-BE49-F238E27FC236}">
-                <a16:creationId xmlns:a16="http://schemas.microsoft.com/office/drawing/2014/main" id="{2217CD51-3A99-3CB1-5EEE-D941F9B9203F}"/>
+                <a16:creationId xmlns:a16="http://schemas.microsoft.com/office/drawing/2014/main" id="{BFFFC312-636B-3727-7AA3-AF3A8DEC27A8}"/>
               </a:ext>
             </a:extLst>
           </p:cNvPr>
@@ -1933,7 +1933,7 @@
           <p:cNvPr id="3" name="日期占位符 2">
             <a:extLst>
               <a:ext uri="{FF2B5EF4-FFF2-40B4-BE49-F238E27FC236}">
-                <a16:creationId xmlns:a16="http://schemas.microsoft.com/office/drawing/2014/main" id="{2CB66589-8D32-26C2-0E3B-4179EE5ACACE}"/>
+                <a16:creationId xmlns:a16="http://schemas.microsoft.com/office/drawing/2014/main" id="{C3F7B10C-08C0-0F69-44D2-56FEF9303069}"/>
               </a:ext>
             </a:extLst>
           </p:cNvPr>
@@ -1949,7 +1949,7 @@
           <a:bodyPr/>
           <a:lstStyle/>
           <a:p>
-            <a:fld id="{92A0C79D-086C-4140-BF70-D4B9454BC656}" type="datetimeFigureOut">
+            <a:fld id="{FF6A8001-B6AF-43FE-A5FD-039A94D7833C}" type="datetimeFigureOut">
               <a:rPr lang="zh-CN" altLang="en-US" smtClean="0"/>
               <a:t>2024/3/10</a:t>
             </a:fld>
@@ -1962,7 +1962,7 @@
           <p:cNvPr id="4" name="页脚占位符 3">
             <a:extLst>
               <a:ext uri="{FF2B5EF4-FFF2-40B4-BE49-F238E27FC236}">
-                <a16:creationId xmlns:a16="http://schemas.microsoft.com/office/drawing/2014/main" id="{5DA419C1-853A-A1C8-9E23-05D34C62C0BF}"/>
+                <a16:creationId xmlns:a16="http://schemas.microsoft.com/office/drawing/2014/main" id="{5E53832B-0D7F-84ED-A0A2-F76169D829B9}"/>
               </a:ext>
             </a:extLst>
           </p:cNvPr>
@@ -1987,7 +1987,7 @@
           <p:cNvPr id="5" name="灯片编号占位符 4">
             <a:extLst>
               <a:ext uri="{FF2B5EF4-FFF2-40B4-BE49-F238E27FC236}">
-                <a16:creationId xmlns:a16="http://schemas.microsoft.com/office/drawing/2014/main" id="{B291F7E4-38C9-8AF3-EC69-761A3B4780FD}"/>
+                <a16:creationId xmlns:a16="http://schemas.microsoft.com/office/drawing/2014/main" id="{3F4521A2-BABD-5393-AB6C-834E40A65C15}"/>
               </a:ext>
             </a:extLst>
           </p:cNvPr>
@@ -2003,7 +2003,7 @@
           <a:bodyPr/>
           <a:lstStyle/>
           <a:p>
-            <a:fld id="{4BC49D82-2496-4285-A047-3AC3028647F1}" type="slidenum">
+            <a:fld id="{32363FDD-65FE-4B24-BFFE-3FFE2DCDDA2F}" type="slidenum">
               <a:rPr lang="zh-CN" altLang="en-US" smtClean="0"/>
               <a:t>‹#›</a:t>
             </a:fld>
@@ -2014,7 +2014,7 @@
     </p:spTree>
     <p:extLst>
       <p:ext uri="{BB962C8B-B14F-4D97-AF65-F5344CB8AC3E}">
-        <p14:creationId xmlns:p14="http://schemas.microsoft.com/office/powerpoint/2010/main" val="1170412774"/>
+        <p14:creationId xmlns:p14="http://schemas.microsoft.com/office/powerpoint/2010/main" val="2894330275"/>
       </p:ext>
     </p:extLst>
   </p:cSld>
@@ -2046,7 +2046,7 @@
           <p:cNvPr id="2" name="日期占位符 1">
             <a:extLst>
               <a:ext uri="{FF2B5EF4-FFF2-40B4-BE49-F238E27FC236}">
-                <a16:creationId xmlns:a16="http://schemas.microsoft.com/office/drawing/2014/main" id="{8D116EDB-5AB1-C38E-328C-CC5496FD5B8F}"/>
+                <a16:creationId xmlns:a16="http://schemas.microsoft.com/office/drawing/2014/main" id="{34EAF7B1-19AD-C3E4-FE52-015324302BD0}"/>
               </a:ext>
             </a:extLst>
           </p:cNvPr>
@@ -2062,7 +2062,7 @@
           <a:bodyPr/>
           <a:lstStyle/>
           <a:p>
-            <a:fld id="{92A0C79D-086C-4140-BF70-D4B9454BC656}" type="datetimeFigureOut">
+            <a:fld id="{FF6A8001-B6AF-43FE-A5FD-039A94D7833C}" type="datetimeFigureOut">
               <a:rPr lang="zh-CN" altLang="en-US" smtClean="0"/>
               <a:t>2024/3/10</a:t>
             </a:fld>
@@ -2075,7 +2075,7 @@
           <p:cNvPr id="3" name="页脚占位符 2">
             <a:extLst>
               <a:ext uri="{FF2B5EF4-FFF2-40B4-BE49-F238E27FC236}">
-                <a16:creationId xmlns:a16="http://schemas.microsoft.com/office/drawing/2014/main" id="{450829DC-FB8F-66F0-1D40-2A8F58F22C68}"/>
+                <a16:creationId xmlns:a16="http://schemas.microsoft.com/office/drawing/2014/main" id="{DF1A9F77-09F5-6C04-6F58-79813E6414CD}"/>
               </a:ext>
             </a:extLst>
           </p:cNvPr>
@@ -2100,7 +2100,7 @@
           <p:cNvPr id="4" name="灯片编号占位符 3">
             <a:extLst>
               <a:ext uri="{FF2B5EF4-FFF2-40B4-BE49-F238E27FC236}">
-                <a16:creationId xmlns:a16="http://schemas.microsoft.com/office/drawing/2014/main" id="{C758D247-7908-C0AB-0FEB-2774E43810FC}"/>
+                <a16:creationId xmlns:a16="http://schemas.microsoft.com/office/drawing/2014/main" id="{C2972EA2-AC8F-6C7D-F4D7-F722E7FD74E4}"/>
               </a:ext>
             </a:extLst>
           </p:cNvPr>
@@ -2116,7 +2116,7 @@
           <a:bodyPr/>
           <a:lstStyle/>
           <a:p>
-            <a:fld id="{4BC49D82-2496-4285-A047-3AC3028647F1}" type="slidenum">
+            <a:fld id="{32363FDD-65FE-4B24-BFFE-3FFE2DCDDA2F}" type="slidenum">
               <a:rPr lang="zh-CN" altLang="en-US" smtClean="0"/>
               <a:t>‹#›</a:t>
             </a:fld>
@@ -2127,7 +2127,7 @@
     </p:spTree>
     <p:extLst>
       <p:ext uri="{BB962C8B-B14F-4D97-AF65-F5344CB8AC3E}">
-        <p14:creationId xmlns:p14="http://schemas.microsoft.com/office/powerpoint/2010/main" val="2601488088"/>
+        <p14:creationId xmlns:p14="http://schemas.microsoft.com/office/powerpoint/2010/main" val="928707387"/>
       </p:ext>
     </p:extLst>
   </p:cSld>
@@ -2159,7 +2159,7 @@
           <p:cNvPr id="2" name="标题 1">
             <a:extLst>
               <a:ext uri="{FF2B5EF4-FFF2-40B4-BE49-F238E27FC236}">
-                <a16:creationId xmlns:a16="http://schemas.microsoft.com/office/drawing/2014/main" id="{D58FA998-897A-6266-A84C-3FCB2B96402E}"/>
+                <a16:creationId xmlns:a16="http://schemas.microsoft.com/office/drawing/2014/main" id="{9294D6AD-F62C-8266-7DE8-8FB5E357FD44}"/>
               </a:ext>
             </a:extLst>
           </p:cNvPr>
@@ -2196,7 +2196,7 @@
           <p:cNvPr id="3" name="内容占位符 2">
             <a:extLst>
               <a:ext uri="{FF2B5EF4-FFF2-40B4-BE49-F238E27FC236}">
-                <a16:creationId xmlns:a16="http://schemas.microsoft.com/office/drawing/2014/main" id="{B630FD32-C29C-65A9-8228-2C7D97801E70}"/>
+                <a16:creationId xmlns:a16="http://schemas.microsoft.com/office/drawing/2014/main" id="{0950A242-91C1-F2BF-0A9E-CDBFFBCEFAED}"/>
               </a:ext>
             </a:extLst>
           </p:cNvPr>
@@ -2286,7 +2286,7 @@
           <p:cNvPr id="4" name="文本占位符 3">
             <a:extLst>
               <a:ext uri="{FF2B5EF4-FFF2-40B4-BE49-F238E27FC236}">
-                <a16:creationId xmlns:a16="http://schemas.microsoft.com/office/drawing/2014/main" id="{183B48E6-D858-C242-AF7A-3FC00372F867}"/>
+                <a16:creationId xmlns:a16="http://schemas.microsoft.com/office/drawing/2014/main" id="{CF8ED379-E25F-467D-2DF6-C7E190E2F666}"/>
               </a:ext>
             </a:extLst>
           </p:cNvPr>
@@ -2357,7 +2357,7 @@
           <p:cNvPr id="5" name="日期占位符 4">
             <a:extLst>
               <a:ext uri="{FF2B5EF4-FFF2-40B4-BE49-F238E27FC236}">
-                <a16:creationId xmlns:a16="http://schemas.microsoft.com/office/drawing/2014/main" id="{31CD4EB4-BE87-CC57-F0AC-7EFC55910530}"/>
+                <a16:creationId xmlns:a16="http://schemas.microsoft.com/office/drawing/2014/main" id="{6ADC5AC8-8EB1-776B-C3CF-9D10CACB46FD}"/>
               </a:ext>
             </a:extLst>
           </p:cNvPr>
@@ -2373,7 +2373,7 @@
           <a:bodyPr/>
           <a:lstStyle/>
           <a:p>
-            <a:fld id="{92A0C79D-086C-4140-BF70-D4B9454BC656}" type="datetimeFigureOut">
+            <a:fld id="{FF6A8001-B6AF-43FE-A5FD-039A94D7833C}" type="datetimeFigureOut">
               <a:rPr lang="zh-CN" altLang="en-US" smtClean="0"/>
               <a:t>2024/3/10</a:t>
             </a:fld>
@@ -2386,7 +2386,7 @@
           <p:cNvPr id="6" name="页脚占位符 5">
             <a:extLst>
               <a:ext uri="{FF2B5EF4-FFF2-40B4-BE49-F238E27FC236}">
-                <a16:creationId xmlns:a16="http://schemas.microsoft.com/office/drawing/2014/main" id="{72EDCA57-8798-C91E-329A-8764DA996D20}"/>
+                <a16:creationId xmlns:a16="http://schemas.microsoft.com/office/drawing/2014/main" id="{70C08354-1B92-E4BC-0BD2-918747B9AC69}"/>
               </a:ext>
             </a:extLst>
           </p:cNvPr>
@@ -2411,7 +2411,7 @@
           <p:cNvPr id="7" name="灯片编号占位符 6">
             <a:extLst>
               <a:ext uri="{FF2B5EF4-FFF2-40B4-BE49-F238E27FC236}">
-                <a16:creationId xmlns:a16="http://schemas.microsoft.com/office/drawing/2014/main" id="{1C851DBA-96A8-BBA0-A800-236898EB2E77}"/>
+                <a16:creationId xmlns:a16="http://schemas.microsoft.com/office/drawing/2014/main" id="{5C0BF05C-7473-E15C-3107-5301133117DF}"/>
               </a:ext>
             </a:extLst>
           </p:cNvPr>
@@ -2427,7 +2427,7 @@
           <a:bodyPr/>
           <a:lstStyle/>
           <a:p>
-            <a:fld id="{4BC49D82-2496-4285-A047-3AC3028647F1}" type="slidenum">
+            <a:fld id="{32363FDD-65FE-4B24-BFFE-3FFE2DCDDA2F}" type="slidenum">
               <a:rPr lang="zh-CN" altLang="en-US" smtClean="0"/>
               <a:t>‹#›</a:t>
             </a:fld>
@@ -2438,7 +2438,7 @@
     </p:spTree>
     <p:extLst>
       <p:ext uri="{BB962C8B-B14F-4D97-AF65-F5344CB8AC3E}">
-        <p14:creationId xmlns:p14="http://schemas.microsoft.com/office/powerpoint/2010/main" val="2957661867"/>
+        <p14:creationId xmlns:p14="http://schemas.microsoft.com/office/powerpoint/2010/main" val="3762072647"/>
       </p:ext>
     </p:extLst>
   </p:cSld>
@@ -2470,7 +2470,7 @@
           <p:cNvPr id="2" name="标题 1">
             <a:extLst>
               <a:ext uri="{FF2B5EF4-FFF2-40B4-BE49-F238E27FC236}">
-                <a16:creationId xmlns:a16="http://schemas.microsoft.com/office/drawing/2014/main" id="{0D4C7881-5CDA-3C01-E9E7-6285202A98A8}"/>
+                <a16:creationId xmlns:a16="http://schemas.microsoft.com/office/drawing/2014/main" id="{2B7AC65D-7350-8A57-EFB7-700F3C8571AB}"/>
               </a:ext>
             </a:extLst>
           </p:cNvPr>
@@ -2507,7 +2507,7 @@
           <p:cNvPr id="3" name="图片占位符 2">
             <a:extLst>
               <a:ext uri="{FF2B5EF4-FFF2-40B4-BE49-F238E27FC236}">
-                <a16:creationId xmlns:a16="http://schemas.microsoft.com/office/drawing/2014/main" id="{C5FAB974-26B9-9F6D-F7AA-352B8DAC6162}"/>
+                <a16:creationId xmlns:a16="http://schemas.microsoft.com/office/drawing/2014/main" id="{B2106F62-F3C4-DB89-B202-FA609E754BDE}"/>
               </a:ext>
             </a:extLst>
           </p:cNvPr>
@@ -2574,7 +2574,7 @@
           <p:cNvPr id="4" name="文本占位符 3">
             <a:extLst>
               <a:ext uri="{FF2B5EF4-FFF2-40B4-BE49-F238E27FC236}">
-                <a16:creationId xmlns:a16="http://schemas.microsoft.com/office/drawing/2014/main" id="{8D1B37CF-4ADD-B15D-D70B-303C84BD5E0B}"/>
+                <a16:creationId xmlns:a16="http://schemas.microsoft.com/office/drawing/2014/main" id="{C8A74E1F-C8F5-0526-3697-ED47D4929067}"/>
               </a:ext>
             </a:extLst>
           </p:cNvPr>
@@ -2645,7 +2645,7 @@
           <p:cNvPr id="5" name="日期占位符 4">
             <a:extLst>
               <a:ext uri="{FF2B5EF4-FFF2-40B4-BE49-F238E27FC236}">
-                <a16:creationId xmlns:a16="http://schemas.microsoft.com/office/drawing/2014/main" id="{E5179D61-3CE4-57E0-F9B0-5B3A403B1700}"/>
+                <a16:creationId xmlns:a16="http://schemas.microsoft.com/office/drawing/2014/main" id="{0A434397-4A62-3650-BD15-49DE21D886A1}"/>
               </a:ext>
             </a:extLst>
           </p:cNvPr>
@@ -2661,7 +2661,7 @@
           <a:bodyPr/>
           <a:lstStyle/>
           <a:p>
-            <a:fld id="{92A0C79D-086C-4140-BF70-D4B9454BC656}" type="datetimeFigureOut">
+            <a:fld id="{FF6A8001-B6AF-43FE-A5FD-039A94D7833C}" type="datetimeFigureOut">
               <a:rPr lang="zh-CN" altLang="en-US" smtClean="0"/>
               <a:t>2024/3/10</a:t>
             </a:fld>
@@ -2674,7 +2674,7 @@
           <p:cNvPr id="6" name="页脚占位符 5">
             <a:extLst>
               <a:ext uri="{FF2B5EF4-FFF2-40B4-BE49-F238E27FC236}">
-                <a16:creationId xmlns:a16="http://schemas.microsoft.com/office/drawing/2014/main" id="{118C29AB-DEC6-EEE8-7635-156F7785FD5D}"/>
+                <a16:creationId xmlns:a16="http://schemas.microsoft.com/office/drawing/2014/main" id="{4C124EDB-D333-BCA4-23E3-4DD52BFCCFD8}"/>
               </a:ext>
             </a:extLst>
           </p:cNvPr>
@@ -2699,7 +2699,7 @@
           <p:cNvPr id="7" name="灯片编号占位符 6">
             <a:extLst>
               <a:ext uri="{FF2B5EF4-FFF2-40B4-BE49-F238E27FC236}">
-                <a16:creationId xmlns:a16="http://schemas.microsoft.com/office/drawing/2014/main" id="{5872CE62-B980-368E-7A86-546B81C2FB03}"/>
+                <a16:creationId xmlns:a16="http://schemas.microsoft.com/office/drawing/2014/main" id="{D2D2AAF3-0E5C-9719-1CC5-85232C0614BB}"/>
               </a:ext>
             </a:extLst>
           </p:cNvPr>
@@ -2715,7 +2715,7 @@
           <a:bodyPr/>
           <a:lstStyle/>
           <a:p>
-            <a:fld id="{4BC49D82-2496-4285-A047-3AC3028647F1}" type="slidenum">
+            <a:fld id="{32363FDD-65FE-4B24-BFFE-3FFE2DCDDA2F}" type="slidenum">
               <a:rPr lang="zh-CN" altLang="en-US" smtClean="0"/>
               <a:t>‹#›</a:t>
             </a:fld>
@@ -2726,7 +2726,7 @@
     </p:spTree>
     <p:extLst>
       <p:ext uri="{BB962C8B-B14F-4D97-AF65-F5344CB8AC3E}">
-        <p14:creationId xmlns:p14="http://schemas.microsoft.com/office/powerpoint/2010/main" val="1005556563"/>
+        <p14:creationId xmlns:p14="http://schemas.microsoft.com/office/powerpoint/2010/main" val="651530754"/>
       </p:ext>
     </p:extLst>
   </p:cSld>
@@ -2763,7 +2763,7 @@
           <p:cNvPr id="2" name="标题占位符 1">
             <a:extLst>
               <a:ext uri="{FF2B5EF4-FFF2-40B4-BE49-F238E27FC236}">
-                <a16:creationId xmlns:a16="http://schemas.microsoft.com/office/drawing/2014/main" id="{106CC125-783E-F118-12DD-20CE3C4D9A85}"/>
+                <a16:creationId xmlns:a16="http://schemas.microsoft.com/office/drawing/2014/main" id="{0EBAA870-1D65-8D9E-2992-8324117B037F}"/>
               </a:ext>
             </a:extLst>
           </p:cNvPr>
@@ -2801,7 +2801,7 @@
           <p:cNvPr id="3" name="文本占位符 2">
             <a:extLst>
               <a:ext uri="{FF2B5EF4-FFF2-40B4-BE49-F238E27FC236}">
-                <a16:creationId xmlns:a16="http://schemas.microsoft.com/office/drawing/2014/main" id="{51BC20FE-579C-E1B8-FF44-85A536573825}"/>
+                <a16:creationId xmlns:a16="http://schemas.microsoft.com/office/drawing/2014/main" id="{77CA49B4-62C5-C3C6-95E8-5FD85D04F89C}"/>
               </a:ext>
             </a:extLst>
           </p:cNvPr>
@@ -2868,7 +2868,7 @@
           <p:cNvPr id="4" name="日期占位符 3">
             <a:extLst>
               <a:ext uri="{FF2B5EF4-FFF2-40B4-BE49-F238E27FC236}">
-                <a16:creationId xmlns:a16="http://schemas.microsoft.com/office/drawing/2014/main" id="{EF402DEB-0DE7-18E2-D733-B31A6A7DFE1D}"/>
+                <a16:creationId xmlns:a16="http://schemas.microsoft.com/office/drawing/2014/main" id="{89E6E061-7E3C-AB8B-93B7-9F05A5C6F3E1}"/>
               </a:ext>
             </a:extLst>
           </p:cNvPr>
@@ -2902,7 +2902,7 @@
             </a:lvl1pPr>
           </a:lstStyle>
           <a:p>
-            <a:fld id="{92A0C79D-086C-4140-BF70-D4B9454BC656}" type="datetimeFigureOut">
+            <a:fld id="{FF6A8001-B6AF-43FE-A5FD-039A94D7833C}" type="datetimeFigureOut">
               <a:rPr lang="zh-CN" altLang="en-US" smtClean="0"/>
               <a:t>2024/3/10</a:t>
             </a:fld>
@@ -2915,7 +2915,7 @@
           <p:cNvPr id="5" name="页脚占位符 4">
             <a:extLst>
               <a:ext uri="{FF2B5EF4-FFF2-40B4-BE49-F238E27FC236}">
-                <a16:creationId xmlns:a16="http://schemas.microsoft.com/office/drawing/2014/main" id="{478E0022-8E80-CDD4-93D4-08758405F027}"/>
+                <a16:creationId xmlns:a16="http://schemas.microsoft.com/office/drawing/2014/main" id="{C67F3327-D5B7-4F29-E6F0-036206479DE4}"/>
               </a:ext>
             </a:extLst>
           </p:cNvPr>
@@ -2958,7 +2958,7 @@
           <p:cNvPr id="6" name="灯片编号占位符 5">
             <a:extLst>
               <a:ext uri="{FF2B5EF4-FFF2-40B4-BE49-F238E27FC236}">
-                <a16:creationId xmlns:a16="http://schemas.microsoft.com/office/drawing/2014/main" id="{2918035B-0F3B-FE89-EEE8-C1EE57E71D4F}"/>
+                <a16:creationId xmlns:a16="http://schemas.microsoft.com/office/drawing/2014/main" id="{1051E3AA-E2D0-0E3F-1541-ED78424C2660}"/>
               </a:ext>
             </a:extLst>
           </p:cNvPr>
@@ -2992,7 +2992,7 @@
             </a:lvl1pPr>
           </a:lstStyle>
           <a:p>
-            <a:fld id="{4BC49D82-2496-4285-A047-3AC3028647F1}" type="slidenum">
+            <a:fld id="{32363FDD-65FE-4B24-BFFE-3FFE2DCDDA2F}" type="slidenum">
               <a:rPr lang="zh-CN" altLang="en-US" smtClean="0"/>
               <a:t>‹#›</a:t>
             </a:fld>
@@ -3003,7 +3003,7 @@
     </p:spTree>
     <p:extLst>
       <p:ext uri="{BB962C8B-B14F-4D97-AF65-F5344CB8AC3E}">
-        <p14:creationId xmlns:p14="http://schemas.microsoft.com/office/powerpoint/2010/main" val="618113546"/>
+        <p14:creationId xmlns:p14="http://schemas.microsoft.com/office/powerpoint/2010/main" val="45374207"/>
       </p:ext>
     </p:extLst>
   </p:cSld>
